--- a/interim-102024/nmop-chairs-slides.pptx
+++ b/interim-102024/nmop-chairs-slides.pptx
@@ -6,15 +6,16 @@
     <p:sldMasterId id="2147483665" r:id="rId2"/>
   </p:sldMasterIdLst>
   <p:notesMasterIdLst>
-    <p:notesMasterId r:id="rId9"/>
+    <p:notesMasterId r:id="rId10"/>
   </p:notesMasterIdLst>
   <p:sldIdLst>
     <p:sldId id="256" r:id="rId3"/>
     <p:sldId id="257" r:id="rId4"/>
     <p:sldId id="277" r:id="rId5"/>
     <p:sldId id="274" r:id="rId6"/>
-    <p:sldId id="271" r:id="rId7"/>
-    <p:sldId id="276" r:id="rId8"/>
+    <p:sldId id="279" r:id="rId7"/>
+    <p:sldId id="280" r:id="rId8"/>
+    <p:sldId id="276" r:id="rId9"/>
   </p:sldIdLst>
   <p:sldSz cx="9144000" cy="5143500" type="screen16x9"/>
   <p:notesSz cx="6858000" cy="9144000"/>
@@ -15941,7 +15942,7 @@
               </a:rPr>
             </a:br>
             <a:r>
-              <a:rPr lang="en-US" sz="3600" dirty="0">
+              <a:rPr lang="en-US" sz="3600" i="1" dirty="0">
                 <a:latin typeface="Inter"/>
                 <a:ea typeface="Inter"/>
                 <a:cs typeface="Inter"/>
@@ -15949,7 +15950,7 @@
               </a:rPr>
               <a:t>Focus: Digital Map</a:t>
             </a:r>
-            <a:endParaRPr sz="3600" dirty="0">
+            <a:endParaRPr sz="3600" i="1" dirty="0">
               <a:latin typeface="Inter"/>
               <a:ea typeface="Inter"/>
               <a:cs typeface="Inter"/>
@@ -17082,7 +17083,7 @@
         <p:fade/>
       </p:transition>
     </mc:Choice>
-    <mc:Fallback xmlns="" xmlns:mv="urn:schemas-microsoft-com:mac:vml" xmlns:c="http://schemas.openxmlformats.org/drawingml/2006/chart" xmlns:dgm="http://schemas.openxmlformats.org/drawingml/2006/diagram" xmlns:o="urn:schemas-microsoft-com:office:office" xmlns:v="urn:schemas-microsoft-com:vml" xmlns:pvml="urn:schemas-microsoft-com:office:powerpoint" xmlns:com="http://schemas.openxmlformats.org/drawingml/2006/compatibility" xmlns:p15="http://schemas.microsoft.com/office/powerpoint/2012/main" xmlns:ahyp="http://schemas.microsoft.com/office/drawing/2018/hyperlinkcolor">
+    <mc:Fallback xmlns:ahyp="http://schemas.microsoft.com/office/drawing/2018/hyperlinkcolor" xmlns:p15="http://schemas.microsoft.com/office/powerpoint/2012/main" xmlns:com="http://schemas.openxmlformats.org/drawingml/2006/compatibility" xmlns:pvml="urn:schemas-microsoft-com:office:powerpoint" xmlns:v="urn:schemas-microsoft-com:vml" xmlns:o="urn:schemas-microsoft-com:office:office" xmlns:dgm="http://schemas.openxmlformats.org/drawingml/2006/diagram" xmlns:c="http://schemas.openxmlformats.org/drawingml/2006/chart" xmlns:mv="urn:schemas-microsoft-com:mac:vml" xmlns="">
       <p:transition spd="slow">
         <p:fade/>
       </p:transition>
@@ -17208,7 +17209,7 @@
                   <a:srgbClr val="00B0F0"/>
                 </a:solidFill>
               </a:rPr>
-              <a:t>visibility on planned assessment &amp; experiment plan</a:t>
+              <a:t>visibility on planned assessment &amp; experiment plans</a:t>
             </a:r>
           </a:p>
           <a:p>
@@ -17423,10 +17424,48 @@
       </p:grpSpPr>
       <p:sp>
         <p:nvSpPr>
-          <p:cNvPr id="2" name="Titre 1">
+          <p:cNvPr id="4" name="Espace réservé du numéro de diapositive 3">
             <a:extLst>
               <a:ext uri="{FF2B5EF4-FFF2-40B4-BE49-F238E27FC236}">
-                <a16:creationId xmlns:a16="http://schemas.microsoft.com/office/drawing/2014/main" id="{749610CD-6079-B85C-6D60-DC878DD62E6C}"/>
+                <a16:creationId xmlns:a16="http://schemas.microsoft.com/office/drawing/2014/main" id="{6AE8E01D-DE0A-AF73-FF77-1ED795D5BE4B}"/>
+              </a:ext>
+            </a:extLst>
+          </p:cNvPr>
+          <p:cNvSpPr>
+            <a:spLocks noGrp="1"/>
+          </p:cNvSpPr>
+          <p:nvPr>
+            <p:ph type="sldNum" idx="12"/>
+          </p:nvPr>
+        </p:nvSpPr>
+        <p:spPr/>
+        <p:txBody>
+          <a:bodyPr/>
+          <a:lstStyle/>
+          <a:p>
+            <a:pPr marL="0" lvl="0" indent="0" algn="l" rtl="0">
+              <a:spcBef>
+                <a:spcPts val="0"/>
+              </a:spcBef>
+              <a:spcAft>
+                <a:spcPts val="0"/>
+              </a:spcAft>
+              <a:buNone/>
+            </a:pPr>
+            <a:fld id="{00000000-1234-1234-1234-123412341234}" type="slidenum">
+              <a:rPr lang="en-US" smtClean="0"/>
+              <a:t>5</a:t>
+            </a:fld>
+            <a:endParaRPr lang="en-US"/>
+          </a:p>
+        </p:txBody>
+      </p:sp>
+      <p:sp>
+        <p:nvSpPr>
+          <p:cNvPr id="9" name="Titre 1">
+            <a:extLst>
+              <a:ext uri="{FF2B5EF4-FFF2-40B4-BE49-F238E27FC236}">
+                <a16:creationId xmlns:a16="http://schemas.microsoft.com/office/drawing/2014/main" id="{0CE7276B-4C15-8069-7060-9B37DDC79725}"/>
               </a:ext>
             </a:extLst>
           </p:cNvPr>
@@ -17437,7 +17476,12 @@
             <p:ph type="title"/>
           </p:nvPr>
         </p:nvSpPr>
-        <p:spPr/>
+        <p:spPr>
+          <a:xfrm>
+            <a:off x="471900" y="218223"/>
+            <a:ext cx="8222100" cy="1288203"/>
+          </a:xfrm>
+        </p:spPr>
         <p:txBody>
           <a:bodyPr/>
           <a:lstStyle/>
@@ -17454,50 +17498,12 @@
           </a:p>
         </p:txBody>
       </p:sp>
-      <p:sp>
-        <p:nvSpPr>
-          <p:cNvPr id="4" name="Espace réservé du numéro de diapositive 3">
+      <p:pic>
+        <p:nvPicPr>
+          <p:cNvPr id="10" name="Image 9">
             <a:extLst>
               <a:ext uri="{FF2B5EF4-FFF2-40B4-BE49-F238E27FC236}">
-                <a16:creationId xmlns:a16="http://schemas.microsoft.com/office/drawing/2014/main" id="{CE6075EA-6F1E-FE68-0A52-8BEDA00B9120}"/>
-              </a:ext>
-            </a:extLst>
-          </p:cNvPr>
-          <p:cNvSpPr>
-            <a:spLocks noGrp="1"/>
-          </p:cNvSpPr>
-          <p:nvPr>
-            <p:ph type="sldNum" idx="12"/>
-          </p:nvPr>
-        </p:nvSpPr>
-        <p:spPr/>
-        <p:txBody>
-          <a:bodyPr/>
-          <a:lstStyle/>
-          <a:p>
-            <a:pPr marL="0" lvl="0" indent="0" algn="r" rtl="0">
-              <a:spcBef>
-                <a:spcPts val="0"/>
-              </a:spcBef>
-              <a:spcAft>
-                <a:spcPts val="0"/>
-              </a:spcAft>
-              <a:buNone/>
-            </a:pPr>
-            <a:fld id="{00000000-1234-1234-1234-123412341234}" type="slidenum">
-              <a:rPr lang="en-US" smtClean="0"/>
-              <a:t>5</a:t>
-            </a:fld>
-            <a:endParaRPr lang="en-US"/>
-          </a:p>
-        </p:txBody>
-      </p:sp>
-      <p:pic>
-        <p:nvPicPr>
-          <p:cNvPr id="5" name="Image 4">
-            <a:extLst>
-              <a:ext uri="{FF2B5EF4-FFF2-40B4-BE49-F238E27FC236}">
-                <a16:creationId xmlns:a16="http://schemas.microsoft.com/office/drawing/2014/main" id="{0C776756-E3C3-D82F-CD2E-1424F5113F51}"/>
+                <a16:creationId xmlns:a16="http://schemas.microsoft.com/office/drawing/2014/main" id="{68642624-8582-0917-E547-9E4901EBF09F}"/>
               </a:ext>
             </a:extLst>
           </p:cNvPr>
@@ -17524,10 +17530,10 @@
       </p:pic>
       <p:sp>
         <p:nvSpPr>
-          <p:cNvPr id="9" name="Bulle narrative : ronde 8">
+          <p:cNvPr id="11" name="Bulle narrative : ronde 10">
             <a:extLst>
               <a:ext uri="{FF2B5EF4-FFF2-40B4-BE49-F238E27FC236}">
-                <a16:creationId xmlns:a16="http://schemas.microsoft.com/office/drawing/2014/main" id="{2328023F-1C93-51F0-A761-742333E90631}"/>
+                <a16:creationId xmlns:a16="http://schemas.microsoft.com/office/drawing/2014/main" id="{0D74CCE1-68F1-D456-8D2B-5D22F54913F7}"/>
               </a:ext>
             </a:extLst>
           </p:cNvPr>
@@ -17589,7 +17595,7 @@
     </p:spTree>
     <p:extLst>
       <p:ext uri="{BB962C8B-B14F-4D97-AF65-F5344CB8AC3E}">
-        <p14:creationId xmlns:p14="http://schemas.microsoft.com/office/powerpoint/2010/main" val="513082138"/>
+        <p14:creationId xmlns:p14="http://schemas.microsoft.com/office/powerpoint/2010/main" val="1033932174"/>
       </p:ext>
     </p:extLst>
   </p:cSld>
@@ -17600,6 +17606,561 @@
 </file>
 
 <file path=ppt/slides/slide6.xml><?xml version="1.0" encoding="utf-8"?>
+<p:sld xmlns:a="http://schemas.openxmlformats.org/drawingml/2006/main" xmlns:r="http://schemas.openxmlformats.org/officeDocument/2006/relationships" xmlns:p="http://schemas.openxmlformats.org/presentationml/2006/main">
+  <p:cSld>
+    <p:spTree>
+      <p:nvGrpSpPr>
+        <p:cNvPr id="1" name=""/>
+        <p:cNvGrpSpPr/>
+        <p:nvPr/>
+      </p:nvGrpSpPr>
+      <p:grpSpPr>
+        <a:xfrm>
+          <a:off x="0" y="0"/>
+          <a:ext cx="0" cy="0"/>
+          <a:chOff x="0" y="0"/>
+          <a:chExt cx="0" cy="0"/>
+        </a:xfrm>
+      </p:grpSpPr>
+      <p:sp>
+        <p:nvSpPr>
+          <p:cNvPr id="4" name="Espace réservé du numéro de diapositive 3">
+            <a:extLst>
+              <a:ext uri="{FF2B5EF4-FFF2-40B4-BE49-F238E27FC236}">
+                <a16:creationId xmlns:a16="http://schemas.microsoft.com/office/drawing/2014/main" id="{6AE8E01D-DE0A-AF73-FF77-1ED795D5BE4B}"/>
+              </a:ext>
+            </a:extLst>
+          </p:cNvPr>
+          <p:cNvSpPr>
+            <a:spLocks noGrp="1"/>
+          </p:cNvSpPr>
+          <p:nvPr>
+            <p:ph type="sldNum" idx="12"/>
+          </p:nvPr>
+        </p:nvSpPr>
+        <p:spPr/>
+        <p:txBody>
+          <a:bodyPr/>
+          <a:lstStyle/>
+          <a:p>
+            <a:pPr marL="0" lvl="0" indent="0" algn="l" rtl="0">
+              <a:spcBef>
+                <a:spcPts val="0"/>
+              </a:spcBef>
+              <a:spcAft>
+                <a:spcPts val="0"/>
+              </a:spcAft>
+              <a:buNone/>
+            </a:pPr>
+            <a:fld id="{00000000-1234-1234-1234-123412341234}" type="slidenum">
+              <a:rPr lang="en-US" smtClean="0"/>
+              <a:t>6</a:t>
+            </a:fld>
+            <a:endParaRPr lang="en-US"/>
+          </a:p>
+        </p:txBody>
+      </p:sp>
+      <p:sp>
+        <p:nvSpPr>
+          <p:cNvPr id="5" name="Titre 1">
+            <a:extLst>
+              <a:ext uri="{FF2B5EF4-FFF2-40B4-BE49-F238E27FC236}">
+                <a16:creationId xmlns:a16="http://schemas.microsoft.com/office/drawing/2014/main" id="{51D18148-3A95-8C02-0F61-2D10376AEE36}"/>
+              </a:ext>
+            </a:extLst>
+          </p:cNvPr>
+          <p:cNvSpPr>
+            <a:spLocks noGrp="1"/>
+          </p:cNvSpPr>
+          <p:nvPr>
+            <p:ph type="title"/>
+          </p:nvPr>
+        </p:nvSpPr>
+        <p:spPr>
+          <a:xfrm>
+            <a:off x="471900" y="218223"/>
+            <a:ext cx="8222100" cy="1288203"/>
+          </a:xfrm>
+        </p:spPr>
+        <p:txBody>
+          <a:bodyPr/>
+          <a:lstStyle/>
+          <a:p>
+            <a:r>
+              <a:rPr lang="fr-FR" dirty="0" err="1"/>
+              <a:t>Milestones</a:t>
+            </a:r>
+            <a:endParaRPr lang="fr-FR" dirty="0"/>
+          </a:p>
+        </p:txBody>
+      </p:sp>
+      <p:pic>
+        <p:nvPicPr>
+          <p:cNvPr id="6" name="Image 5">
+            <a:extLst>
+              <a:ext uri="{FF2B5EF4-FFF2-40B4-BE49-F238E27FC236}">
+                <a16:creationId xmlns:a16="http://schemas.microsoft.com/office/drawing/2014/main" id="{6F4A4F73-4272-B736-EBD2-CA0EE0470476}"/>
+              </a:ext>
+            </a:extLst>
+          </p:cNvPr>
+          <p:cNvPicPr>
+            <a:picLocks noChangeAspect="1"/>
+          </p:cNvPicPr>
+          <p:nvPr/>
+        </p:nvPicPr>
+        <p:blipFill>
+          <a:blip r:embed="rId2"/>
+          <a:stretch>
+            <a:fillRect/>
+          </a:stretch>
+        </p:blipFill>
+        <p:spPr>
+          <a:xfrm>
+            <a:off x="619433" y="1882154"/>
+            <a:ext cx="7191314" cy="3108027"/>
+          </a:xfrm>
+          <a:prstGeom prst="rect">
+            <a:avLst/>
+          </a:prstGeom>
+        </p:spPr>
+      </p:pic>
+      <p:sp>
+        <p:nvSpPr>
+          <p:cNvPr id="13" name="ZoneTexte 12">
+            <a:extLst>
+              <a:ext uri="{FF2B5EF4-FFF2-40B4-BE49-F238E27FC236}">
+                <a16:creationId xmlns:a16="http://schemas.microsoft.com/office/drawing/2014/main" id="{6EF45BBC-C93E-D1C5-BB45-4A09FC3B90D6}"/>
+              </a:ext>
+            </a:extLst>
+          </p:cNvPr>
+          <p:cNvSpPr txBox="1"/>
+          <p:nvPr/>
+        </p:nvSpPr>
+        <p:spPr>
+          <a:xfrm>
+            <a:off x="5941632" y="3320750"/>
+            <a:ext cx="2459052" cy="230832"/>
+          </a:xfrm>
+          <a:prstGeom prst="rect">
+            <a:avLst/>
+          </a:prstGeom>
+          <a:noFill/>
+        </p:spPr>
+        <p:txBody>
+          <a:bodyPr wrap="square" rtlCol="0">
+            <a:spAutoFit/>
+          </a:bodyPr>
+          <a:lstStyle/>
+          <a:p>
+            <a:r>
+              <a:rPr lang="fr-FR" sz="900" dirty="0">
+                <a:solidFill>
+                  <a:srgbClr val="00B0F0"/>
+                </a:solidFill>
+                <a:latin typeface="Courier New" panose="02070309020205020404" pitchFamily="49" charset="0"/>
+                <a:cs typeface="Courier New" panose="02070309020205020404" pitchFamily="49" charset="0"/>
+              </a:rPr>
+              <a:t>i.e., Target WGLC by 04 or 05/25 </a:t>
+            </a:r>
+          </a:p>
+        </p:txBody>
+      </p:sp>
+      <p:sp>
+        <p:nvSpPr>
+          <p:cNvPr id="14" name="Rectangle 13">
+            <a:extLst>
+              <a:ext uri="{FF2B5EF4-FFF2-40B4-BE49-F238E27FC236}">
+                <a16:creationId xmlns:a16="http://schemas.microsoft.com/office/drawing/2014/main" id="{2A615C59-3F6E-F00F-6C59-09EDECD6D771}"/>
+              </a:ext>
+            </a:extLst>
+          </p:cNvPr>
+          <p:cNvSpPr/>
+          <p:nvPr/>
+        </p:nvSpPr>
+        <p:spPr>
+          <a:xfrm>
+            <a:off x="1333254" y="3308573"/>
+            <a:ext cx="6925844" cy="230832"/>
+          </a:xfrm>
+          <a:custGeom>
+            <a:avLst/>
+            <a:gdLst>
+              <a:gd name="connsiteX0" fmla="*/ 0 w 6925844"/>
+              <a:gd name="connsiteY0" fmla="*/ 0 h 230832"/>
+              <a:gd name="connsiteX1" fmla="*/ 577154 w 6925844"/>
+              <a:gd name="connsiteY1" fmla="*/ 0 h 230832"/>
+              <a:gd name="connsiteX2" fmla="*/ 1223566 w 6925844"/>
+              <a:gd name="connsiteY2" fmla="*/ 0 h 230832"/>
+              <a:gd name="connsiteX3" fmla="*/ 1869978 w 6925844"/>
+              <a:gd name="connsiteY3" fmla="*/ 0 h 230832"/>
+              <a:gd name="connsiteX4" fmla="*/ 2516390 w 6925844"/>
+              <a:gd name="connsiteY4" fmla="*/ 0 h 230832"/>
+              <a:gd name="connsiteX5" fmla="*/ 2885768 w 6925844"/>
+              <a:gd name="connsiteY5" fmla="*/ 0 h 230832"/>
+              <a:gd name="connsiteX6" fmla="*/ 3324405 w 6925844"/>
+              <a:gd name="connsiteY6" fmla="*/ 0 h 230832"/>
+              <a:gd name="connsiteX7" fmla="*/ 4040076 w 6925844"/>
+              <a:gd name="connsiteY7" fmla="*/ 0 h 230832"/>
+              <a:gd name="connsiteX8" fmla="*/ 4617229 w 6925844"/>
+              <a:gd name="connsiteY8" fmla="*/ 0 h 230832"/>
+              <a:gd name="connsiteX9" fmla="*/ 4986608 w 6925844"/>
+              <a:gd name="connsiteY9" fmla="*/ 0 h 230832"/>
+              <a:gd name="connsiteX10" fmla="*/ 5355986 w 6925844"/>
+              <a:gd name="connsiteY10" fmla="*/ 0 h 230832"/>
+              <a:gd name="connsiteX11" fmla="*/ 5794623 w 6925844"/>
+              <a:gd name="connsiteY11" fmla="*/ 0 h 230832"/>
+              <a:gd name="connsiteX12" fmla="*/ 6925844 w 6925844"/>
+              <a:gd name="connsiteY12" fmla="*/ 0 h 230832"/>
+              <a:gd name="connsiteX13" fmla="*/ 6925844 w 6925844"/>
+              <a:gd name="connsiteY13" fmla="*/ 230832 h 230832"/>
+              <a:gd name="connsiteX14" fmla="*/ 6417949 w 6925844"/>
+              <a:gd name="connsiteY14" fmla="*/ 230832 h 230832"/>
+              <a:gd name="connsiteX15" fmla="*/ 5702278 w 6925844"/>
+              <a:gd name="connsiteY15" fmla="*/ 230832 h 230832"/>
+              <a:gd name="connsiteX16" fmla="*/ 4986608 w 6925844"/>
+              <a:gd name="connsiteY16" fmla="*/ 230832 h 230832"/>
+              <a:gd name="connsiteX17" fmla="*/ 4617229 w 6925844"/>
+              <a:gd name="connsiteY17" fmla="*/ 230832 h 230832"/>
+              <a:gd name="connsiteX18" fmla="*/ 3901559 w 6925844"/>
+              <a:gd name="connsiteY18" fmla="*/ 230832 h 230832"/>
+              <a:gd name="connsiteX19" fmla="*/ 3185888 w 6925844"/>
+              <a:gd name="connsiteY19" fmla="*/ 230832 h 230832"/>
+              <a:gd name="connsiteX20" fmla="*/ 2677993 w 6925844"/>
+              <a:gd name="connsiteY20" fmla="*/ 230832 h 230832"/>
+              <a:gd name="connsiteX21" fmla="*/ 2100839 w 6925844"/>
+              <a:gd name="connsiteY21" fmla="*/ 230832 h 230832"/>
+              <a:gd name="connsiteX22" fmla="*/ 1731461 w 6925844"/>
+              <a:gd name="connsiteY22" fmla="*/ 230832 h 230832"/>
+              <a:gd name="connsiteX23" fmla="*/ 1292824 w 6925844"/>
+              <a:gd name="connsiteY23" fmla="*/ 230832 h 230832"/>
+              <a:gd name="connsiteX24" fmla="*/ 784929 w 6925844"/>
+              <a:gd name="connsiteY24" fmla="*/ 230832 h 230832"/>
+              <a:gd name="connsiteX25" fmla="*/ 0 w 6925844"/>
+              <a:gd name="connsiteY25" fmla="*/ 230832 h 230832"/>
+              <a:gd name="connsiteX26" fmla="*/ 0 w 6925844"/>
+              <a:gd name="connsiteY26" fmla="*/ 0 h 230832"/>
+            </a:gdLst>
+            <a:ahLst/>
+            <a:cxnLst>
+              <a:cxn ang="0">
+                <a:pos x="connsiteX0" y="connsiteY0"/>
+              </a:cxn>
+              <a:cxn ang="0">
+                <a:pos x="connsiteX1" y="connsiteY1"/>
+              </a:cxn>
+              <a:cxn ang="0">
+                <a:pos x="connsiteX2" y="connsiteY2"/>
+              </a:cxn>
+              <a:cxn ang="0">
+                <a:pos x="connsiteX3" y="connsiteY3"/>
+              </a:cxn>
+              <a:cxn ang="0">
+                <a:pos x="connsiteX4" y="connsiteY4"/>
+              </a:cxn>
+              <a:cxn ang="0">
+                <a:pos x="connsiteX5" y="connsiteY5"/>
+              </a:cxn>
+              <a:cxn ang="0">
+                <a:pos x="connsiteX6" y="connsiteY6"/>
+              </a:cxn>
+              <a:cxn ang="0">
+                <a:pos x="connsiteX7" y="connsiteY7"/>
+              </a:cxn>
+              <a:cxn ang="0">
+                <a:pos x="connsiteX8" y="connsiteY8"/>
+              </a:cxn>
+              <a:cxn ang="0">
+                <a:pos x="connsiteX9" y="connsiteY9"/>
+              </a:cxn>
+              <a:cxn ang="0">
+                <a:pos x="connsiteX10" y="connsiteY10"/>
+              </a:cxn>
+              <a:cxn ang="0">
+                <a:pos x="connsiteX11" y="connsiteY11"/>
+              </a:cxn>
+              <a:cxn ang="0">
+                <a:pos x="connsiteX12" y="connsiteY12"/>
+              </a:cxn>
+              <a:cxn ang="0">
+                <a:pos x="connsiteX13" y="connsiteY13"/>
+              </a:cxn>
+              <a:cxn ang="0">
+                <a:pos x="connsiteX14" y="connsiteY14"/>
+              </a:cxn>
+              <a:cxn ang="0">
+                <a:pos x="connsiteX15" y="connsiteY15"/>
+              </a:cxn>
+              <a:cxn ang="0">
+                <a:pos x="connsiteX16" y="connsiteY16"/>
+              </a:cxn>
+              <a:cxn ang="0">
+                <a:pos x="connsiteX17" y="connsiteY17"/>
+              </a:cxn>
+              <a:cxn ang="0">
+                <a:pos x="connsiteX18" y="connsiteY18"/>
+              </a:cxn>
+              <a:cxn ang="0">
+                <a:pos x="connsiteX19" y="connsiteY19"/>
+              </a:cxn>
+              <a:cxn ang="0">
+                <a:pos x="connsiteX20" y="connsiteY20"/>
+              </a:cxn>
+              <a:cxn ang="0">
+                <a:pos x="connsiteX21" y="connsiteY21"/>
+              </a:cxn>
+              <a:cxn ang="0">
+                <a:pos x="connsiteX22" y="connsiteY22"/>
+              </a:cxn>
+              <a:cxn ang="0">
+                <a:pos x="connsiteX23" y="connsiteY23"/>
+              </a:cxn>
+              <a:cxn ang="0">
+                <a:pos x="connsiteX24" y="connsiteY24"/>
+              </a:cxn>
+              <a:cxn ang="0">
+                <a:pos x="connsiteX25" y="connsiteY25"/>
+              </a:cxn>
+              <a:cxn ang="0">
+                <a:pos x="connsiteX26" y="connsiteY26"/>
+              </a:cxn>
+            </a:cxnLst>
+            <a:rect l="l" t="t" r="r" b="b"/>
+            <a:pathLst>
+              <a:path w="6925844" h="230832" extrusionOk="0">
+                <a:moveTo>
+                  <a:pt x="0" y="0"/>
+                </a:moveTo>
+                <a:cubicBezTo>
+                  <a:pt x="118242" y="-31052"/>
+                  <a:pt x="414674" y="27881"/>
+                  <a:pt x="577154" y="0"/>
+                </a:cubicBezTo>
+                <a:cubicBezTo>
+                  <a:pt x="739634" y="-27881"/>
+                  <a:pt x="981300" y="66211"/>
+                  <a:pt x="1223566" y="0"/>
+                </a:cubicBezTo>
+                <a:cubicBezTo>
+                  <a:pt x="1465832" y="-66211"/>
+                  <a:pt x="1616845" y="62090"/>
+                  <a:pt x="1869978" y="0"/>
+                </a:cubicBezTo>
+                <a:cubicBezTo>
+                  <a:pt x="2123111" y="-62090"/>
+                  <a:pt x="2374845" y="63697"/>
+                  <a:pt x="2516390" y="0"/>
+                </a:cubicBezTo>
+                <a:cubicBezTo>
+                  <a:pt x="2657935" y="-63697"/>
+                  <a:pt x="2796913" y="11888"/>
+                  <a:pt x="2885768" y="0"/>
+                </a:cubicBezTo>
+                <a:cubicBezTo>
+                  <a:pt x="2974623" y="-11888"/>
+                  <a:pt x="3182529" y="32616"/>
+                  <a:pt x="3324405" y="0"/>
+                </a:cubicBezTo>
+                <a:cubicBezTo>
+                  <a:pt x="3466281" y="-32616"/>
+                  <a:pt x="3778337" y="32329"/>
+                  <a:pt x="4040076" y="0"/>
+                </a:cubicBezTo>
+                <a:cubicBezTo>
+                  <a:pt x="4301815" y="-32329"/>
+                  <a:pt x="4374572" y="39094"/>
+                  <a:pt x="4617229" y="0"/>
+                </a:cubicBezTo>
+                <a:cubicBezTo>
+                  <a:pt x="4859886" y="-39094"/>
+                  <a:pt x="4873657" y="40249"/>
+                  <a:pt x="4986608" y="0"/>
+                </a:cubicBezTo>
+                <a:cubicBezTo>
+                  <a:pt x="5099559" y="-40249"/>
+                  <a:pt x="5229289" y="27656"/>
+                  <a:pt x="5355986" y="0"/>
+                </a:cubicBezTo>
+                <a:cubicBezTo>
+                  <a:pt x="5482683" y="-27656"/>
+                  <a:pt x="5676123" y="19220"/>
+                  <a:pt x="5794623" y="0"/>
+                </a:cubicBezTo>
+                <a:cubicBezTo>
+                  <a:pt x="5913123" y="-19220"/>
+                  <a:pt x="6438329" y="101077"/>
+                  <a:pt x="6925844" y="0"/>
+                </a:cubicBezTo>
+                <a:cubicBezTo>
+                  <a:pt x="6949942" y="78725"/>
+                  <a:pt x="6900374" y="174976"/>
+                  <a:pt x="6925844" y="230832"/>
+                </a:cubicBezTo>
+                <a:cubicBezTo>
+                  <a:pt x="6722106" y="244434"/>
+                  <a:pt x="6606470" y="177741"/>
+                  <a:pt x="6417949" y="230832"/>
+                </a:cubicBezTo>
+                <a:cubicBezTo>
+                  <a:pt x="6229428" y="283923"/>
+                  <a:pt x="6039688" y="203771"/>
+                  <a:pt x="5702278" y="230832"/>
+                </a:cubicBezTo>
+                <a:cubicBezTo>
+                  <a:pt x="5364868" y="257893"/>
+                  <a:pt x="5246735" y="171512"/>
+                  <a:pt x="4986608" y="230832"/>
+                </a:cubicBezTo>
+                <a:cubicBezTo>
+                  <a:pt x="4726481" y="290152"/>
+                  <a:pt x="4728596" y="222285"/>
+                  <a:pt x="4617229" y="230832"/>
+                </a:cubicBezTo>
+                <a:cubicBezTo>
+                  <a:pt x="4505862" y="239379"/>
+                  <a:pt x="4085985" y="228664"/>
+                  <a:pt x="3901559" y="230832"/>
+                </a:cubicBezTo>
+                <a:cubicBezTo>
+                  <a:pt x="3717133" y="233000"/>
+                  <a:pt x="3494933" y="160527"/>
+                  <a:pt x="3185888" y="230832"/>
+                </a:cubicBezTo>
+                <a:cubicBezTo>
+                  <a:pt x="2876843" y="301137"/>
+                  <a:pt x="2793971" y="179388"/>
+                  <a:pt x="2677993" y="230832"/>
+                </a:cubicBezTo>
+                <a:cubicBezTo>
+                  <a:pt x="2562015" y="282276"/>
+                  <a:pt x="2333851" y="183582"/>
+                  <a:pt x="2100839" y="230832"/>
+                </a:cubicBezTo>
+                <a:cubicBezTo>
+                  <a:pt x="1867827" y="278082"/>
+                  <a:pt x="1914458" y="222143"/>
+                  <a:pt x="1731461" y="230832"/>
+                </a:cubicBezTo>
+                <a:cubicBezTo>
+                  <a:pt x="1548464" y="239521"/>
+                  <a:pt x="1392417" y="201609"/>
+                  <a:pt x="1292824" y="230832"/>
+                </a:cubicBezTo>
+                <a:cubicBezTo>
+                  <a:pt x="1193231" y="260055"/>
+                  <a:pt x="965645" y="202285"/>
+                  <a:pt x="784929" y="230832"/>
+                </a:cubicBezTo>
+                <a:cubicBezTo>
+                  <a:pt x="604213" y="259379"/>
+                  <a:pt x="345294" y="188420"/>
+                  <a:pt x="0" y="230832"/>
+                </a:cubicBezTo>
+                <a:cubicBezTo>
+                  <a:pt x="-20577" y="134385"/>
+                  <a:pt x="8512" y="105670"/>
+                  <a:pt x="0" y="0"/>
+                </a:cubicBezTo>
+                <a:close/>
+              </a:path>
+            </a:pathLst>
+          </a:custGeom>
+          <a:noFill/>
+          <a:ln>
+            <a:solidFill>
+              <a:srgbClr val="FF0000"/>
+            </a:solidFill>
+            <a:extLst>
+              <a:ext uri="{C807C97D-BFC1-408E-A445-0C87EB9F89A2}">
+                <ask:lineSketchStyleProps xmlns:ask="http://schemas.microsoft.com/office/drawing/2018/sketchyshapes" sd="3997106322">
+                  <a:prstGeom prst="rect">
+                    <a:avLst/>
+                  </a:prstGeom>
+                  <ask:type>
+                    <ask:lineSketchScribble/>
+                  </ask:type>
+                </ask:lineSketchStyleProps>
+              </a:ext>
+            </a:extLst>
+          </a:ln>
+        </p:spPr>
+        <p:style>
+          <a:lnRef idx="2">
+            <a:schemeClr val="accent1">
+              <a:shade val="15000"/>
+            </a:schemeClr>
+          </a:lnRef>
+          <a:fillRef idx="1">
+            <a:schemeClr val="accent1"/>
+          </a:fillRef>
+          <a:effectRef idx="0">
+            <a:schemeClr val="accent1"/>
+          </a:effectRef>
+          <a:fontRef idx="minor">
+            <a:schemeClr val="lt1"/>
+          </a:fontRef>
+        </p:style>
+        <p:txBody>
+          <a:bodyPr rtlCol="0" anchor="ctr"/>
+          <a:lstStyle/>
+          <a:p>
+            <a:pPr algn="ctr"/>
+            <a:endParaRPr lang="fr-FR"/>
+          </a:p>
+        </p:txBody>
+      </p:sp>
+      <p:sp>
+        <p:nvSpPr>
+          <p:cNvPr id="15" name="ZoneTexte 14">
+            <a:extLst>
+              <a:ext uri="{FF2B5EF4-FFF2-40B4-BE49-F238E27FC236}">
+                <a16:creationId xmlns:a16="http://schemas.microsoft.com/office/drawing/2014/main" id="{ABC413EE-1940-B5DD-0D49-F13712C57B45}"/>
+              </a:ext>
+            </a:extLst>
+          </p:cNvPr>
+          <p:cNvSpPr txBox="1"/>
+          <p:nvPr/>
+        </p:nvSpPr>
+        <p:spPr>
+          <a:xfrm>
+            <a:off x="884902" y="3308573"/>
+            <a:ext cx="566340" cy="230832"/>
+          </a:xfrm>
+          <a:prstGeom prst="rect">
+            <a:avLst/>
+          </a:prstGeom>
+          <a:noFill/>
+        </p:spPr>
+        <p:txBody>
+          <a:bodyPr wrap="square" rtlCol="0">
+            <a:spAutoFit/>
+          </a:bodyPr>
+          <a:lstStyle/>
+          <a:p>
+            <a:r>
+              <a:rPr lang="fr-FR" sz="900" dirty="0">
+                <a:solidFill>
+                  <a:srgbClr val="FF0000"/>
+                </a:solidFill>
+              </a:rPr>
+              <a:t>NEW</a:t>
+            </a:r>
+          </a:p>
+        </p:txBody>
+      </p:sp>
+    </p:spTree>
+    <p:extLst>
+      <p:ext uri="{BB962C8B-B14F-4D97-AF65-F5344CB8AC3E}">
+        <p14:creationId xmlns:p14="http://schemas.microsoft.com/office/powerpoint/2010/main" val="753709249"/>
+      </p:ext>
+    </p:extLst>
+  </p:cSld>
+  <p:clrMapOvr>
+    <a:masterClrMapping/>
+  </p:clrMapOvr>
+</p:sld>
+</file>
+
+<file path=ppt/slides/slide7.xml><?xml version="1.0" encoding="utf-8"?>
 <p:sld xmlns:a="http://schemas.openxmlformats.org/drawingml/2006/main" xmlns:r="http://schemas.openxmlformats.org/officeDocument/2006/relationships" xmlns:p="http://schemas.openxmlformats.org/presentationml/2006/main">
   <p:cSld>
     <p:spTree>
@@ -17701,7 +18262,7 @@
             </a:pPr>
             <a:fld id="{00000000-1234-1234-1234-123412341234}" type="slidenum">
               <a:rPr lang="en-US" smtClean="0"/>
-              <a:t>6</a:t>
+              <a:t>7</a:t>
             </a:fld>
             <a:endParaRPr lang="en-US"/>
           </a:p>
